--- a/E-learning Resource.pptx
+++ b/E-learning Resource.pptx
@@ -5,11 +5,14 @@
     <p:sldMasterId id="2147483672" r:id="rId1"/>
   </p:sldMasterIdLst>
   <p:sldIdLst>
-    <p:sldId id="261" r:id="rId2"/>
+    <p:sldId id="263" r:id="rId2"/>
     <p:sldId id="257" r:id="rId3"/>
     <p:sldId id="258" r:id="rId4"/>
     <p:sldId id="259" r:id="rId5"/>
     <p:sldId id="260" r:id="rId6"/>
+    <p:sldId id="264" r:id="rId7"/>
+    <p:sldId id="265" r:id="rId8"/>
+    <p:sldId id="262" r:id="rId9"/>
   </p:sldIdLst>
   <p:sldSz cx="12192000" cy="6858000"/>
   <p:notesSz cx="6858000" cy="9144000"/>
@@ -109,6 +112,11 @@
       </a:defRPr>
     </a:lvl9pPr>
   </p:defaultTextStyle>
+  <p:extLst>
+    <p:ext uri="{EFAFB233-063F-42B5-8137-9DF3F51BA10A}">
+      <p15:sldGuideLst xmlns:p15="http://schemas.microsoft.com/office/powerpoint/2012/main"/>
+    </p:ext>
+  </p:extLst>
 </p:presentation>
 </file>
 
@@ -149,7 +157,7 @@
               <a:lum bright="70000" contrast="-70000"/>
               <a:extLst>
                 <a:ext uri="{BEBA8EAE-BF5A-486C-A8C5-ECC9F3942E4B}">
-                  <a14:imgProps xmlns="" xmlns:a14="http://schemas.microsoft.com/office/drawing/2010/main">
+                  <a14:imgProps xmlns:a14="http://schemas.microsoft.com/office/drawing/2010/main">
                     <a14:imgLayer r:embed="rId3">
                       <a14:imgEffect>
                         <a14:sharpenSoften amount="61000"/>
@@ -158,7 +166,7 @@
                   </a14:imgProps>
                 </a:ext>
                 <a:ext uri="{28A0092B-C50C-407E-A947-70E740481C1C}">
-                  <a14:useLocalDpi xmlns="" xmlns:a14="http://schemas.microsoft.com/office/drawing/2010/main" val="0"/>
+                  <a14:useLocalDpi xmlns:a14="http://schemas.microsoft.com/office/drawing/2010/main" val="0"/>
                 </a:ext>
               </a:extLst>
             </a:blip>
@@ -206,7 +214,7 @@
               <a:lum bright="70000" contrast="-70000"/>
               <a:extLst>
                 <a:ext uri="{BEBA8EAE-BF5A-486C-A8C5-ECC9F3942E4B}">
-                  <a14:imgProps xmlns="" xmlns:a14="http://schemas.microsoft.com/office/drawing/2010/main">
+                  <a14:imgProps xmlns:a14="http://schemas.microsoft.com/office/drawing/2010/main">
                     <a14:imgLayer r:embed="rId3">
                       <a14:imgEffect>
                         <a14:sharpenSoften amount="61000"/>
@@ -215,7 +223,7 @@
                   </a14:imgProps>
                 </a:ext>
                 <a:ext uri="{28A0092B-C50C-407E-A947-70E740481C1C}">
-                  <a14:useLocalDpi xmlns="" xmlns:a14="http://schemas.microsoft.com/office/drawing/2010/main" val="0"/>
+                  <a14:useLocalDpi xmlns:a14="http://schemas.microsoft.com/office/drawing/2010/main" val="0"/>
                 </a:ext>
               </a:extLst>
             </a:blip>
@@ -263,7 +271,7 @@
               <a:lum bright="70000" contrast="-70000"/>
               <a:extLst>
                 <a:ext uri="{BEBA8EAE-BF5A-486C-A8C5-ECC9F3942E4B}">
-                  <a14:imgProps xmlns="" xmlns:a14="http://schemas.microsoft.com/office/drawing/2010/main">
+                  <a14:imgProps xmlns:a14="http://schemas.microsoft.com/office/drawing/2010/main">
                     <a14:imgLayer r:embed="rId3">
                       <a14:imgEffect>
                         <a14:sharpenSoften amount="61000"/>
@@ -272,7 +280,7 @@
                   </a14:imgProps>
                 </a:ext>
                 <a:ext uri="{28A0092B-C50C-407E-A947-70E740481C1C}">
-                  <a14:useLocalDpi xmlns="" xmlns:a14="http://schemas.microsoft.com/office/drawing/2010/main" val="0"/>
+                  <a14:useLocalDpi xmlns:a14="http://schemas.microsoft.com/office/drawing/2010/main" val="0"/>
                 </a:ext>
               </a:extLst>
             </a:blip>
@@ -339,7 +347,7 @@
                 </a:duotone>
                 <a:extLst>
                   <a:ext uri="{BEBA8EAE-BF5A-486C-A8C5-ECC9F3942E4B}">
-                    <a14:imgProps xmlns="" xmlns:a14="http://schemas.microsoft.com/office/drawing/2010/main">
+                    <a14:imgProps xmlns:a14="http://schemas.microsoft.com/office/drawing/2010/main">
                       <a14:imgLayer r:embed="rId5">
                         <a14:imgEffect>
                           <a14:saturation sat="95000"/>
@@ -515,8 +523,7 @@
           <a:p>
             <a:fld id="{40A318F0-FCCC-467D-BD0F-1B9245D592EB}" type="datetimeFigureOut">
               <a:rPr lang="en-US" smtClean="0"/>
-              <a:pPr/>
-              <a:t>5/28/2021</a:t>
+              <a:t>6/1/2021</a:t>
             </a:fld>
             <a:endParaRPr lang="en-US"/>
           </a:p>
@@ -567,7 +574,6 @@
           <a:p>
             <a:fld id="{79F59140-235E-4B68-8285-83FCEC9523C5}" type="slidenum">
               <a:rPr lang="en-US" smtClean="0"/>
-              <a:pPr/>
               <a:t>‹#›</a:t>
             </a:fld>
             <a:endParaRPr lang="en-US"/>
@@ -577,7 +583,7 @@
     </p:spTree>
     <p:extLst>
       <p:ext uri="{BB962C8B-B14F-4D97-AF65-F5344CB8AC3E}">
-        <p14:creationId xmlns="" xmlns:p14="http://schemas.microsoft.com/office/powerpoint/2010/main" val="916207049"/>
+        <p14:creationId xmlns:p14="http://schemas.microsoft.com/office/powerpoint/2010/main" val="916207049"/>
       </p:ext>
     </p:extLst>
   </p:cSld>
@@ -696,8 +702,7 @@
           <a:p>
             <a:fld id="{40A318F0-FCCC-467D-BD0F-1B9245D592EB}" type="datetimeFigureOut">
               <a:rPr lang="en-US" smtClean="0"/>
-              <a:pPr/>
-              <a:t>5/28/2021</a:t>
+              <a:t>6/1/2021</a:t>
             </a:fld>
             <a:endParaRPr lang="en-US"/>
           </a:p>
@@ -739,7 +744,6 @@
           <a:p>
             <a:fld id="{79F59140-235E-4B68-8285-83FCEC9523C5}" type="slidenum">
               <a:rPr lang="en-US" smtClean="0"/>
-              <a:pPr/>
               <a:t>‹#›</a:t>
             </a:fld>
             <a:endParaRPr lang="en-US"/>
@@ -749,7 +753,7 @@
     </p:spTree>
     <p:extLst>
       <p:ext uri="{BB962C8B-B14F-4D97-AF65-F5344CB8AC3E}">
-        <p14:creationId xmlns="" xmlns:p14="http://schemas.microsoft.com/office/powerpoint/2010/main" val="3855800839"/>
+        <p14:creationId xmlns:p14="http://schemas.microsoft.com/office/powerpoint/2010/main" val="3855800839"/>
       </p:ext>
     </p:extLst>
   </p:cSld>
@@ -878,8 +882,7 @@
           <a:p>
             <a:fld id="{40A318F0-FCCC-467D-BD0F-1B9245D592EB}" type="datetimeFigureOut">
               <a:rPr lang="en-US" smtClean="0"/>
-              <a:pPr/>
-              <a:t>5/28/2021</a:t>
+              <a:t>6/1/2021</a:t>
             </a:fld>
             <a:endParaRPr lang="en-US"/>
           </a:p>
@@ -921,7 +924,6 @@
           <a:p>
             <a:fld id="{79F59140-235E-4B68-8285-83FCEC9523C5}" type="slidenum">
               <a:rPr lang="en-US" smtClean="0"/>
-              <a:pPr/>
               <a:t>‹#›</a:t>
             </a:fld>
             <a:endParaRPr lang="en-US"/>
@@ -931,7 +933,7 @@
     </p:spTree>
     <p:extLst>
       <p:ext uri="{BB962C8B-B14F-4D97-AF65-F5344CB8AC3E}">
-        <p14:creationId xmlns="" xmlns:p14="http://schemas.microsoft.com/office/powerpoint/2010/main" val="2055199794"/>
+        <p14:creationId xmlns:p14="http://schemas.microsoft.com/office/powerpoint/2010/main" val="2055199794"/>
       </p:ext>
     </p:extLst>
   </p:cSld>
@@ -1050,8 +1052,7 @@
           <a:p>
             <a:fld id="{40A318F0-FCCC-467D-BD0F-1B9245D592EB}" type="datetimeFigureOut">
               <a:rPr lang="en-US" smtClean="0"/>
-              <a:pPr/>
-              <a:t>5/28/2021</a:t>
+              <a:t>6/1/2021</a:t>
             </a:fld>
             <a:endParaRPr lang="en-US"/>
           </a:p>
@@ -1093,7 +1094,6 @@
           <a:p>
             <a:fld id="{79F59140-235E-4B68-8285-83FCEC9523C5}" type="slidenum">
               <a:rPr lang="en-US" smtClean="0"/>
-              <a:pPr/>
               <a:t>‹#›</a:t>
             </a:fld>
             <a:endParaRPr lang="en-US"/>
@@ -1103,7 +1103,7 @@
     </p:spTree>
     <p:extLst>
       <p:ext uri="{BB962C8B-B14F-4D97-AF65-F5344CB8AC3E}">
-        <p14:creationId xmlns="" xmlns:p14="http://schemas.microsoft.com/office/powerpoint/2010/main" val="4093222176"/>
+        <p14:creationId xmlns:p14="http://schemas.microsoft.com/office/powerpoint/2010/main" val="4093222176"/>
       </p:ext>
     </p:extLst>
   </p:cSld>
@@ -1150,7 +1150,7 @@
               <a:lum bright="70000" contrast="-70000"/>
               <a:extLst>
                 <a:ext uri="{BEBA8EAE-BF5A-486C-A8C5-ECC9F3942E4B}">
-                  <a14:imgProps xmlns="" xmlns:a14="http://schemas.microsoft.com/office/drawing/2010/main">
+                  <a14:imgProps xmlns:a14="http://schemas.microsoft.com/office/drawing/2010/main">
                     <a14:imgLayer r:embed="rId3">
                       <a14:imgEffect>
                         <a14:sharpenSoften amount="61000"/>
@@ -1159,7 +1159,7 @@
                   </a14:imgProps>
                 </a:ext>
                 <a:ext uri="{28A0092B-C50C-407E-A947-70E740481C1C}">
-                  <a14:useLocalDpi xmlns="" xmlns:a14="http://schemas.microsoft.com/office/drawing/2010/main" val="0"/>
+                  <a14:useLocalDpi xmlns:a14="http://schemas.microsoft.com/office/drawing/2010/main" val="0"/>
                 </a:ext>
               </a:extLst>
             </a:blip>
@@ -1365,8 +1365,7 @@
           <a:p>
             <a:fld id="{40A318F0-FCCC-467D-BD0F-1B9245D592EB}" type="datetimeFigureOut">
               <a:rPr lang="en-US" smtClean="0"/>
-              <a:pPr/>
-              <a:t>5/28/2021</a:t>
+              <a:t>6/1/2021</a:t>
             </a:fld>
             <a:endParaRPr lang="en-US"/>
           </a:p>
@@ -1435,7 +1434,7 @@
                 </a:duotone>
                 <a:extLst>
                   <a:ext uri="{BEBA8EAE-BF5A-486C-A8C5-ECC9F3942E4B}">
-                    <a14:imgProps xmlns="" xmlns:a14="http://schemas.microsoft.com/office/drawing/2010/main">
+                    <a14:imgProps xmlns:a14="http://schemas.microsoft.com/office/drawing/2010/main">
                       <a14:imgLayer r:embed="rId5">
                         <a14:imgEffect>
                           <a14:saturation sat="95000"/>
@@ -1506,7 +1505,6 @@
           <a:p>
             <a:fld id="{79F59140-235E-4B68-8285-83FCEC9523C5}" type="slidenum">
               <a:rPr lang="en-US" smtClean="0"/>
-              <a:pPr/>
               <a:t>‹#›</a:t>
             </a:fld>
             <a:endParaRPr lang="en-US"/>
@@ -1516,7 +1514,7 @@
     </p:spTree>
     <p:extLst>
       <p:ext uri="{BB962C8B-B14F-4D97-AF65-F5344CB8AC3E}">
-        <p14:creationId xmlns="" xmlns:p14="http://schemas.microsoft.com/office/powerpoint/2010/main" val="1078228947"/>
+        <p14:creationId xmlns:p14="http://schemas.microsoft.com/office/powerpoint/2010/main" val="1078228947"/>
       </p:ext>
     </p:extLst>
   </p:cSld>
@@ -1753,8 +1751,7 @@
           <a:p>
             <a:fld id="{40A318F0-FCCC-467D-BD0F-1B9245D592EB}" type="datetimeFigureOut">
               <a:rPr lang="en-US" smtClean="0"/>
-              <a:pPr/>
-              <a:t>5/28/2021</a:t>
+              <a:t>6/1/2021</a:t>
             </a:fld>
             <a:endParaRPr lang="en-US"/>
           </a:p>
@@ -1796,7 +1793,6 @@
           <a:p>
             <a:fld id="{79F59140-235E-4B68-8285-83FCEC9523C5}" type="slidenum">
               <a:rPr lang="en-US" smtClean="0"/>
-              <a:pPr/>
               <a:t>‹#›</a:t>
             </a:fld>
             <a:endParaRPr lang="en-US"/>
@@ -1806,7 +1802,7 @@
     </p:spTree>
     <p:extLst>
       <p:ext uri="{BB962C8B-B14F-4D97-AF65-F5344CB8AC3E}">
-        <p14:creationId xmlns="" xmlns:p14="http://schemas.microsoft.com/office/powerpoint/2010/main" val="842020083"/>
+        <p14:creationId xmlns:p14="http://schemas.microsoft.com/office/powerpoint/2010/main" val="842020083"/>
       </p:ext>
     </p:extLst>
   </p:cSld>
@@ -2189,8 +2185,7 @@
           <a:p>
             <a:fld id="{40A318F0-FCCC-467D-BD0F-1B9245D592EB}" type="datetimeFigureOut">
               <a:rPr lang="en-US" smtClean="0"/>
-              <a:pPr/>
-              <a:t>5/28/2021</a:t>
+              <a:t>6/1/2021</a:t>
             </a:fld>
             <a:endParaRPr lang="en-US"/>
           </a:p>
@@ -2232,7 +2227,6 @@
           <a:p>
             <a:fld id="{79F59140-235E-4B68-8285-83FCEC9523C5}" type="slidenum">
               <a:rPr lang="en-US" smtClean="0"/>
-              <a:pPr/>
               <a:t>‹#›</a:t>
             </a:fld>
             <a:endParaRPr lang="en-US"/>
@@ -2242,7 +2236,7 @@
     </p:spTree>
     <p:extLst>
       <p:ext uri="{BB962C8B-B14F-4D97-AF65-F5344CB8AC3E}">
-        <p14:creationId xmlns="" xmlns:p14="http://schemas.microsoft.com/office/powerpoint/2010/main" val="2976839414"/>
+        <p14:creationId xmlns:p14="http://schemas.microsoft.com/office/powerpoint/2010/main" val="2976839414"/>
       </p:ext>
     </p:extLst>
   </p:cSld>
@@ -2309,8 +2303,7 @@
           <a:p>
             <a:fld id="{40A318F0-FCCC-467D-BD0F-1B9245D592EB}" type="datetimeFigureOut">
               <a:rPr lang="en-US" smtClean="0"/>
-              <a:pPr/>
-              <a:t>5/28/2021</a:t>
+              <a:t>6/1/2021</a:t>
             </a:fld>
             <a:endParaRPr lang="en-US"/>
           </a:p>
@@ -2352,7 +2345,6 @@
           <a:p>
             <a:fld id="{79F59140-235E-4B68-8285-83FCEC9523C5}" type="slidenum">
               <a:rPr lang="en-US" smtClean="0"/>
-              <a:pPr/>
               <a:t>‹#›</a:t>
             </a:fld>
             <a:endParaRPr lang="en-US"/>
@@ -2362,7 +2354,7 @@
     </p:spTree>
     <p:extLst>
       <p:ext uri="{BB962C8B-B14F-4D97-AF65-F5344CB8AC3E}">
-        <p14:creationId xmlns="" xmlns:p14="http://schemas.microsoft.com/office/powerpoint/2010/main" val="3152536977"/>
+        <p14:creationId xmlns:p14="http://schemas.microsoft.com/office/powerpoint/2010/main" val="3152536977"/>
       </p:ext>
     </p:extLst>
   </p:cSld>
@@ -2406,8 +2398,7 @@
           <a:p>
             <a:fld id="{40A318F0-FCCC-467D-BD0F-1B9245D592EB}" type="datetimeFigureOut">
               <a:rPr lang="en-US" smtClean="0"/>
-              <a:pPr/>
-              <a:t>5/28/2021</a:t>
+              <a:t>6/1/2021</a:t>
             </a:fld>
             <a:endParaRPr lang="en-US"/>
           </a:p>
@@ -2449,7 +2440,6 @@
           <a:p>
             <a:fld id="{79F59140-235E-4B68-8285-83FCEC9523C5}" type="slidenum">
               <a:rPr lang="en-US" smtClean="0"/>
-              <a:pPr/>
               <a:t>‹#›</a:t>
             </a:fld>
             <a:endParaRPr lang="en-US"/>
@@ -2459,7 +2449,7 @@
     </p:spTree>
     <p:extLst>
       <p:ext uri="{BB962C8B-B14F-4D97-AF65-F5344CB8AC3E}">
-        <p14:creationId xmlns="" xmlns:p14="http://schemas.microsoft.com/office/powerpoint/2010/main" val="1881012616"/>
+        <p14:creationId xmlns:p14="http://schemas.microsoft.com/office/powerpoint/2010/main" val="1881012616"/>
       </p:ext>
     </p:extLst>
   </p:cSld>
@@ -2506,7 +2496,7 @@
               <a:lum bright="70000" contrast="-70000"/>
               <a:extLst>
                 <a:ext uri="{BEBA8EAE-BF5A-486C-A8C5-ECC9F3942E4B}">
-                  <a14:imgProps xmlns="" xmlns:a14="http://schemas.microsoft.com/office/drawing/2010/main">
+                  <a14:imgProps xmlns:a14="http://schemas.microsoft.com/office/drawing/2010/main">
                     <a14:imgLayer r:embed="rId3">
                       <a14:imgEffect>
                         <a14:sharpenSoften amount="61000"/>
@@ -2515,7 +2505,7 @@
                   </a14:imgProps>
                 </a:ext>
                 <a:ext uri="{28A0092B-C50C-407E-A947-70E740481C1C}">
-                  <a14:useLocalDpi xmlns="" xmlns:a14="http://schemas.microsoft.com/office/drawing/2010/main" val="0"/>
+                  <a14:useLocalDpi xmlns:a14="http://schemas.microsoft.com/office/drawing/2010/main" val="0"/>
                 </a:ext>
               </a:extLst>
             </a:blip>
@@ -2758,8 +2748,7 @@
           <a:p>
             <a:fld id="{40A318F0-FCCC-467D-BD0F-1B9245D592EB}" type="datetimeFigureOut">
               <a:rPr lang="en-US" smtClean="0"/>
-              <a:pPr/>
-              <a:t>5/28/2021</a:t>
+              <a:t>6/1/2021</a:t>
             </a:fld>
             <a:endParaRPr lang="en-US"/>
           </a:p>
@@ -2825,7 +2814,7 @@
                 </a:duotone>
                 <a:extLst>
                   <a:ext uri="{BEBA8EAE-BF5A-486C-A8C5-ECC9F3942E4B}">
-                    <a14:imgProps xmlns="" xmlns:a14="http://schemas.microsoft.com/office/drawing/2010/main">
+                    <a14:imgProps xmlns:a14="http://schemas.microsoft.com/office/drawing/2010/main">
                       <a14:imgLayer r:embed="rId5">
                         <a14:imgEffect>
                           <a14:saturation sat="95000"/>
@@ -2890,7 +2879,6 @@
           <a:p>
             <a:fld id="{79F59140-235E-4B68-8285-83FCEC9523C5}" type="slidenum">
               <a:rPr lang="en-US" smtClean="0"/>
-              <a:pPr/>
               <a:t>‹#›</a:t>
             </a:fld>
             <a:endParaRPr lang="en-US"/>
@@ -2900,7 +2888,7 @@
     </p:spTree>
     <p:extLst>
       <p:ext uri="{BB962C8B-B14F-4D97-AF65-F5344CB8AC3E}">
-        <p14:creationId xmlns="" xmlns:p14="http://schemas.microsoft.com/office/powerpoint/2010/main" val="4090151857"/>
+        <p14:creationId xmlns:p14="http://schemas.microsoft.com/office/powerpoint/2010/main" val="4090151857"/>
       </p:ext>
     </p:extLst>
   </p:cSld>
@@ -2947,7 +2935,7 @@
               <a:lum bright="70000" contrast="-70000"/>
               <a:extLst>
                 <a:ext uri="{BEBA8EAE-BF5A-486C-A8C5-ECC9F3942E4B}">
-                  <a14:imgProps xmlns="" xmlns:a14="http://schemas.microsoft.com/office/drawing/2010/main">
+                  <a14:imgProps xmlns:a14="http://schemas.microsoft.com/office/drawing/2010/main">
                     <a14:imgLayer r:embed="rId3">
                       <a14:imgEffect>
                         <a14:sharpenSoften amount="61000"/>
@@ -2956,7 +2944,7 @@
                   </a14:imgProps>
                 </a:ext>
                 <a:ext uri="{28A0092B-C50C-407E-A947-70E740481C1C}">
-                  <a14:useLocalDpi xmlns="" xmlns:a14="http://schemas.microsoft.com/office/drawing/2010/main" val="0"/>
+                  <a14:useLocalDpi xmlns:a14="http://schemas.microsoft.com/office/drawing/2010/main" val="0"/>
                 </a:ext>
               </a:extLst>
             </a:blip>
@@ -3185,8 +3173,7 @@
           <a:p>
             <a:fld id="{40A318F0-FCCC-467D-BD0F-1B9245D592EB}" type="datetimeFigureOut">
               <a:rPr lang="en-US" smtClean="0"/>
-              <a:pPr/>
-              <a:t>5/28/2021</a:t>
+              <a:t>6/1/2021</a:t>
             </a:fld>
             <a:endParaRPr lang="en-US"/>
           </a:p>
@@ -3233,7 +3220,7 @@
                 </a:duotone>
                 <a:extLst>
                   <a:ext uri="{BEBA8EAE-BF5A-486C-A8C5-ECC9F3942E4B}">
-                    <a14:imgProps xmlns="" xmlns:a14="http://schemas.microsoft.com/office/drawing/2010/main">
+                    <a14:imgProps xmlns:a14="http://schemas.microsoft.com/office/drawing/2010/main">
                       <a14:imgLayer r:embed="rId5">
                         <a14:imgEffect>
                           <a14:saturation sat="95000"/>
@@ -3298,7 +3285,6 @@
           <a:p>
             <a:fld id="{79F59140-235E-4B68-8285-83FCEC9523C5}" type="slidenum">
               <a:rPr lang="en-US" smtClean="0"/>
-              <a:pPr/>
               <a:t>‹#›</a:t>
             </a:fld>
             <a:endParaRPr lang="en-US"/>
@@ -3308,7 +3294,7 @@
     </p:spTree>
     <p:extLst>
       <p:ext uri="{BB962C8B-B14F-4D97-AF65-F5344CB8AC3E}">
-        <p14:creationId xmlns="" xmlns:p14="http://schemas.microsoft.com/office/powerpoint/2010/main" val="93328701"/>
+        <p14:creationId xmlns:p14="http://schemas.microsoft.com/office/powerpoint/2010/main" val="93328701"/>
       </p:ext>
     </p:extLst>
   </p:cSld>
@@ -3468,8 +3454,7 @@
           <a:p>
             <a:fld id="{40A318F0-FCCC-467D-BD0F-1B9245D592EB}" type="datetimeFigureOut">
               <a:rPr lang="en-US" smtClean="0"/>
-              <a:pPr/>
-              <a:t>5/28/2021</a:t>
+              <a:t>6/1/2021</a:t>
             </a:fld>
             <a:endParaRPr lang="en-US"/>
           </a:p>
@@ -3551,7 +3536,7 @@
                 </a:duotone>
                 <a:extLst>
                   <a:ext uri="{BEBA8EAE-BF5A-486C-A8C5-ECC9F3942E4B}">
-                    <a14:imgProps xmlns="" xmlns:a14="http://schemas.microsoft.com/office/drawing/2010/main">
+                    <a14:imgProps xmlns:a14="http://schemas.microsoft.com/office/drawing/2010/main">
                       <a14:imgLayer r:embed="rId14">
                         <a14:imgEffect>
                           <a14:saturation sat="95000"/>
@@ -3633,7 +3618,6 @@
           <a:p>
             <a:fld id="{79F59140-235E-4B68-8285-83FCEC9523C5}" type="slidenum">
               <a:rPr lang="en-US" smtClean="0"/>
-              <a:pPr/>
               <a:t>‹#›</a:t>
             </a:fld>
             <a:endParaRPr lang="en-US"/>
@@ -3643,7 +3627,7 @@
     </p:spTree>
     <p:extLst>
       <p:ext uri="{BB962C8B-B14F-4D97-AF65-F5344CB8AC3E}">
-        <p14:creationId xmlns="" xmlns:p14="http://schemas.microsoft.com/office/powerpoint/2010/main" val="2130483069"/>
+        <p14:creationId xmlns:p14="http://schemas.microsoft.com/office/powerpoint/2010/main" val="2130483069"/>
       </p:ext>
     </p:extLst>
   </p:cSld>
@@ -3676,7 +3660,7 @@
             <a:blip r:embed="rId15">
               <a:extLst>
                 <a:ext uri="{28A0092B-C50C-407E-A947-70E740481C1C}">
-                  <a14:useLocalDpi xmlns="" xmlns:a14="http://schemas.microsoft.com/office/drawing/2010/main" val="0"/>
+                  <a14:useLocalDpi xmlns:a14="http://schemas.microsoft.com/office/drawing/2010/main" val="0"/>
                 </a:ext>
               </a:extLst>
             </a:blip>
@@ -4051,7 +4035,7 @@
           <p:cNvPr id="2" name="Title 1">
             <a:extLst>
               <a:ext uri="{FF2B5EF4-FFF2-40B4-BE49-F238E27FC236}">
-                <a16:creationId xmlns="" xmlns:a16="http://schemas.microsoft.com/office/drawing/2014/main" id="{AEC664EF-C604-48C8-8908-A969CF92FFDB}"/>
+                <a16:creationId xmlns:a16="http://schemas.microsoft.com/office/drawing/2014/main" id="{31484471-3B8F-468C-BC3B-C12A9A7EB4E1}"/>
               </a:ext>
             </a:extLst>
           </p:cNvPr>
@@ -4062,35 +4046,143 @@
             <p:ph type="title"/>
           </p:nvPr>
         </p:nvSpPr>
-        <p:spPr>
-          <a:xfrm>
-            <a:off x="858520" y="1158240"/>
-            <a:ext cx="10515600" cy="1757680"/>
-          </a:xfrm>
-        </p:spPr>
+        <p:spPr/>
         <p:txBody>
           <a:bodyPr/>
           <a:lstStyle/>
           <a:p>
             <a:r>
               <a:rPr lang="en-US" dirty="0"/>
-              <a:t>           </a:t>
-            </a:r>
-            <a:r>
-              <a:rPr lang="en-US" dirty="0" smtClean="0"/>
-              <a:t> </a:t>
-            </a:r>
+              <a:t>E-LEARNING RESOURCE</a:t>
+            </a:r>
+          </a:p>
+        </p:txBody>
+      </p:sp>
+      <p:sp>
+        <p:nvSpPr>
+          <p:cNvPr id="3" name="Content Placeholder 2">
+            <a:extLst>
+              <a:ext uri="{FF2B5EF4-FFF2-40B4-BE49-F238E27FC236}">
+                <a16:creationId xmlns:a16="http://schemas.microsoft.com/office/drawing/2014/main" id="{2CD490AF-DBA1-416F-8042-BDC8A47F4386}"/>
+              </a:ext>
+            </a:extLst>
+          </p:cNvPr>
+          <p:cNvSpPr>
+            <a:spLocks noGrp="1"/>
+          </p:cNvSpPr>
+          <p:nvPr>
+            <p:ph idx="1"/>
+          </p:nvPr>
+        </p:nvSpPr>
+        <p:spPr/>
+        <p:txBody>
+          <a:bodyPr/>
+          <a:lstStyle/>
+          <a:p>
+            <a:pPr marL="0" indent="0">
+              <a:buNone/>
+            </a:pPr>
+            <a:endParaRPr lang="en-US" dirty="0"/>
+          </a:p>
+          <a:p>
+            <a:pPr marL="0" indent="0">
+              <a:buNone/>
+            </a:pPr>
+            <a:r>
+              <a:rPr lang="en-US" sz="2800" dirty="0">
+                <a:solidFill>
+                  <a:srgbClr val="00B050"/>
+                </a:solidFill>
+              </a:rPr>
+              <a:t>Team Members</a:t>
+            </a:r>
+          </a:p>
+          <a:p>
+            <a:pPr marL="0" indent="0">
+              <a:buNone/>
+            </a:pPr>
+            <a:endParaRPr lang="en-US" sz="2800" dirty="0"/>
+          </a:p>
+          <a:p>
             <a:r>
               <a:rPr lang="en-US" dirty="0"/>
-              <a:t>E-learning Resource</a:t>
-            </a:r>
+              <a:t>Ram Bhupal                            - </a:t>
+            </a:r>
+            <a:r>
+              <a:rPr lang="en-US" dirty="0">
+                <a:hlinkClick r:id="rId2"/>
+              </a:rPr>
+              <a:t>bhupal9490791218@gmail.com</a:t>
+            </a:r>
+            <a:endParaRPr lang="en-US" dirty="0"/>
+          </a:p>
+          <a:p>
+            <a:r>
+              <a:rPr lang="en-US" dirty="0"/>
+              <a:t>Rambabu Cholla                   -  </a:t>
+            </a:r>
+            <a:r>
+              <a:rPr lang="en-US" dirty="0">
+                <a:hlinkClick r:id="rId3"/>
+              </a:rPr>
+              <a:t>rambabucholla123@gmail.com</a:t>
+            </a:r>
+            <a:endParaRPr lang="en-US" dirty="0"/>
+          </a:p>
+          <a:p>
+            <a:r>
+              <a:rPr lang="en-US" dirty="0"/>
+              <a:t>Sai Charan Reddy                 - </a:t>
+            </a:r>
+            <a:r>
+              <a:rPr lang="en-US" dirty="0">
+                <a:hlinkClick r:id="rId4"/>
+              </a:rPr>
+              <a:t>rachamallusaicharanreddy@gmail.com</a:t>
+            </a:r>
+            <a:endParaRPr lang="en-US" dirty="0"/>
+          </a:p>
+          <a:p>
+            <a:r>
+              <a:rPr lang="en-US" dirty="0"/>
+              <a:t>Sammed                                  - </a:t>
+            </a:r>
+            <a:r>
+              <a:rPr lang="en-US" dirty="0">
+                <a:hlinkClick r:id="rId5"/>
+              </a:rPr>
+              <a:t>sammedrangole18@gmail.com</a:t>
+            </a:r>
+            <a:endParaRPr lang="en-US" dirty="0"/>
+          </a:p>
+          <a:p>
+            <a:r>
+              <a:rPr lang="en-US" dirty="0"/>
+              <a:t>Santwashree Chakraborty  - </a:t>
+            </a:r>
+            <a:r>
+              <a:rPr lang="en-US" dirty="0">
+                <a:hlinkClick r:id="rId6"/>
+              </a:rPr>
+              <a:t>santwashree2016@gmail.com</a:t>
+            </a:r>
+            <a:endParaRPr lang="en-US" dirty="0"/>
+          </a:p>
+          <a:p>
+            <a:pPr marL="0" indent="0">
+              <a:buNone/>
+            </a:pPr>
+            <a:endParaRPr lang="en-US" dirty="0"/>
+          </a:p>
+          <a:p>
+            <a:endParaRPr lang="en-US" dirty="0"/>
           </a:p>
         </p:txBody>
       </p:sp>
     </p:spTree>
     <p:extLst>
       <p:ext uri="{BB962C8B-B14F-4D97-AF65-F5344CB8AC3E}">
-        <p14:creationId xmlns="" xmlns:p14="http://schemas.microsoft.com/office/powerpoint/2010/main" val="3170531202"/>
+        <p14:creationId xmlns:p14="http://schemas.microsoft.com/office/powerpoint/2010/main" val="2098249048"/>
       </p:ext>
     </p:extLst>
   </p:cSld>
@@ -4117,26 +4209,58 @@
           <a:chExt cx="0" cy="0"/>
         </a:xfrm>
       </p:grpSpPr>
+      <p:sp>
+        <p:nvSpPr>
+          <p:cNvPr id="4" name="Title 3">
+            <a:extLst>
+              <a:ext uri="{FF2B5EF4-FFF2-40B4-BE49-F238E27FC236}">
+                <a16:creationId xmlns:a16="http://schemas.microsoft.com/office/drawing/2014/main" id="{8AED27BC-D6A9-4858-A8E5-32019E3E194C}"/>
+              </a:ext>
+            </a:extLst>
+          </p:cNvPr>
+          <p:cNvSpPr>
+            <a:spLocks noGrp="1"/>
+          </p:cNvSpPr>
+          <p:nvPr>
+            <p:ph type="title"/>
+          </p:nvPr>
+        </p:nvSpPr>
+        <p:spPr>
+          <a:xfrm>
+            <a:off x="838200" y="365125"/>
+            <a:ext cx="10515600" cy="1006475"/>
+          </a:xfrm>
+        </p:spPr>
+        <p:txBody>
+          <a:bodyPr/>
+          <a:lstStyle/>
+          <a:p>
+            <a:r>
+              <a:rPr lang="en-US" dirty="0"/>
+              <a:t>                        ER diagram</a:t>
+            </a:r>
+          </a:p>
+        </p:txBody>
+      </p:sp>
       <p:pic>
         <p:nvPicPr>
-          <p:cNvPr id="3" name="Picture 2" descr="ER diagram">
+          <p:cNvPr id="5" name="Picture 4">
             <a:extLst>
               <a:ext uri="{FF2B5EF4-FFF2-40B4-BE49-F238E27FC236}">
-                <a16:creationId xmlns="" xmlns:a16="http://schemas.microsoft.com/office/drawing/2014/main" id="{C0F0E379-847B-4C9C-BF2C-BEA1138C1DCD}"/>
+                <a16:creationId xmlns:a16="http://schemas.microsoft.com/office/drawing/2014/main" id="{C5608109-3709-473F-999B-52C3C7BA15AB}"/>
               </a:ext>
             </a:extLst>
           </p:cNvPr>
           <p:cNvPicPr>
-            <a:picLocks noGrp="1" noChangeAspect="1"/>
+            <a:picLocks noChangeAspect="1"/>
           </p:cNvPicPr>
-          <p:nvPr isPhoto="1"/>
+          <p:nvPr/>
         </p:nvPicPr>
         <p:blipFill>
           <a:blip r:embed="rId2">
-            <a:lum/>
             <a:extLst>
               <a:ext uri="{28A0092B-C50C-407E-A947-70E740481C1C}">
-                <a14:useLocalDpi xmlns="" xmlns:a14="http://schemas.microsoft.com/office/drawing/2010/main" val="0"/>
+                <a14:useLocalDpi xmlns:a14="http://schemas.microsoft.com/office/drawing/2010/main" val="0"/>
               </a:ext>
             </a:extLst>
           </a:blip>
@@ -4146,59 +4270,18 @@
         </p:blipFill>
         <p:spPr>
           <a:xfrm>
-            <a:off x="1941830" y="579120"/>
-            <a:ext cx="8166100" cy="6065520"/>
+            <a:off x="947815" y="1239520"/>
+            <a:ext cx="10296369" cy="5618480"/>
           </a:xfrm>
           <a:prstGeom prst="rect">
             <a:avLst/>
           </a:prstGeom>
         </p:spPr>
       </p:pic>
-      <p:sp>
-        <p:nvSpPr>
-          <p:cNvPr id="4" name="Title 3">
-            <a:extLst>
-              <a:ext uri="{FF2B5EF4-FFF2-40B4-BE49-F238E27FC236}">
-                <a16:creationId xmlns="" xmlns:a16="http://schemas.microsoft.com/office/drawing/2014/main" id="{8AED27BC-D6A9-4858-A8E5-32019E3E194C}"/>
-              </a:ext>
-            </a:extLst>
-          </p:cNvPr>
-          <p:cNvSpPr>
-            <a:spLocks noGrp="1"/>
-          </p:cNvSpPr>
-          <p:nvPr>
-            <p:ph type="title"/>
-          </p:nvPr>
-        </p:nvSpPr>
-        <p:spPr>
-          <a:xfrm>
-            <a:off x="838200" y="365125"/>
-            <a:ext cx="10515600" cy="1006475"/>
-          </a:xfrm>
-        </p:spPr>
-        <p:txBody>
-          <a:bodyPr/>
-          <a:lstStyle/>
-          <a:p>
-            <a:r>
-              <a:rPr lang="en-US" dirty="0"/>
-              <a:t>                </a:t>
-            </a:r>
-            <a:r>
-              <a:rPr lang="en-US" dirty="0" smtClean="0"/>
-              <a:t>ER </a:t>
-            </a:r>
-            <a:r>
-              <a:rPr lang="en-US" dirty="0"/>
-              <a:t>diagram</a:t>
-            </a:r>
-          </a:p>
-        </p:txBody>
-      </p:sp>
     </p:spTree>
     <p:extLst>
       <p:ext uri="{BB962C8B-B14F-4D97-AF65-F5344CB8AC3E}">
-        <p14:creationId xmlns="" xmlns:p14="http://schemas.microsoft.com/office/powerpoint/2010/main" val="3751259157"/>
+        <p14:creationId xmlns:p14="http://schemas.microsoft.com/office/powerpoint/2010/main" val="3751259157"/>
       </p:ext>
     </p:extLst>
   </p:cSld>
@@ -4230,7 +4313,7 @@
           <p:cNvPr id="2" name="Title 1">
             <a:extLst>
               <a:ext uri="{FF2B5EF4-FFF2-40B4-BE49-F238E27FC236}">
-                <a16:creationId xmlns="" xmlns:a16="http://schemas.microsoft.com/office/drawing/2014/main" id="{46D58495-2EDE-49EA-92FA-2F5BD231678F}"/>
+                <a16:creationId xmlns:a16="http://schemas.microsoft.com/office/drawing/2014/main" id="{46D58495-2EDE-49EA-92FA-2F5BD231678F}"/>
               </a:ext>
             </a:extLst>
           </p:cNvPr>
@@ -4255,19 +4338,7 @@
           <a:p>
             <a:r>
               <a:rPr lang="en-US" dirty="0"/>
-              <a:t>              </a:t>
-            </a:r>
-            <a:r>
-              <a:rPr lang="en-US" dirty="0" smtClean="0"/>
-              <a:t> </a:t>
-            </a:r>
-            <a:r>
-              <a:rPr lang="en-US" dirty="0" smtClean="0"/>
-              <a:t> </a:t>
-            </a:r>
-            <a:r>
-              <a:rPr lang="en-US" dirty="0"/>
-              <a:t>Class diagram</a:t>
+              <a:t>                      Class diagram</a:t>
             </a:r>
           </a:p>
         </p:txBody>
@@ -4277,7 +4348,7 @@
           <p:cNvPr id="4" name="Picture 3">
             <a:extLst>
               <a:ext uri="{FF2B5EF4-FFF2-40B4-BE49-F238E27FC236}">
-                <a16:creationId xmlns="" xmlns:a16="http://schemas.microsoft.com/office/drawing/2014/main" id="{386CC91A-95A7-4C93-8647-54444DAD9A5A}"/>
+                <a16:creationId xmlns:a16="http://schemas.microsoft.com/office/drawing/2014/main" id="{386CC91A-95A7-4C93-8647-54444DAD9A5A}"/>
               </a:ext>
             </a:extLst>
           </p:cNvPr>
@@ -4290,7 +4361,7 @@
           <a:blip r:embed="rId2">
             <a:extLst>
               <a:ext uri="{28A0092B-C50C-407E-A947-70E740481C1C}">
-                <a14:useLocalDpi xmlns="" xmlns:a14="http://schemas.microsoft.com/office/drawing/2010/main" val="0"/>
+                <a14:useLocalDpi xmlns:a14="http://schemas.microsoft.com/office/drawing/2010/main" val="0"/>
               </a:ext>
             </a:extLst>
           </a:blip>
@@ -4300,8 +4371,8 @@
         </p:blipFill>
         <p:spPr>
           <a:xfrm>
-            <a:off x="2335237" y="1062300"/>
-            <a:ext cx="8183879" cy="5795700"/>
+            <a:off x="1813560" y="690880"/>
+            <a:ext cx="8564880" cy="6065519"/>
           </a:xfrm>
           <a:prstGeom prst="rect">
             <a:avLst/>
@@ -4311,7 +4382,7 @@
     </p:spTree>
     <p:extLst>
       <p:ext uri="{BB962C8B-B14F-4D97-AF65-F5344CB8AC3E}">
-        <p14:creationId xmlns="" xmlns:p14="http://schemas.microsoft.com/office/powerpoint/2010/main" val="272879894"/>
+        <p14:creationId xmlns:p14="http://schemas.microsoft.com/office/powerpoint/2010/main" val="272879894"/>
       </p:ext>
     </p:extLst>
   </p:cSld>
@@ -4343,7 +4414,7 @@
           <p:cNvPr id="2" name="Title 1">
             <a:extLst>
               <a:ext uri="{FF2B5EF4-FFF2-40B4-BE49-F238E27FC236}">
-                <a16:creationId xmlns="" xmlns:a16="http://schemas.microsoft.com/office/drawing/2014/main" id="{894C5926-C79C-4E45-B579-4CC3F6178BD6}"/>
+                <a16:creationId xmlns:a16="http://schemas.microsoft.com/office/drawing/2014/main" id="{894C5926-C79C-4E45-B579-4CC3F6178BD6}"/>
               </a:ext>
             </a:extLst>
           </p:cNvPr>
@@ -4368,15 +4439,7 @@
           <a:p>
             <a:r>
               <a:rPr lang="en-US" dirty="0"/>
-              <a:t>          </a:t>
-            </a:r>
-            <a:r>
-              <a:rPr lang="en-US" dirty="0" smtClean="0"/>
-              <a:t>    </a:t>
-            </a:r>
-            <a:r>
-              <a:rPr lang="en-US" dirty="0"/>
-              <a:t>Activity diagram</a:t>
+              <a:t>                        Activity diagram</a:t>
             </a:r>
           </a:p>
         </p:txBody>
@@ -4386,7 +4449,7 @@
           <p:cNvPr id="4" name="Picture 3">
             <a:extLst>
               <a:ext uri="{FF2B5EF4-FFF2-40B4-BE49-F238E27FC236}">
-                <a16:creationId xmlns="" xmlns:a16="http://schemas.microsoft.com/office/drawing/2014/main" id="{DA8F62AA-310C-4741-8F20-E1D78D8448D4}"/>
+                <a16:creationId xmlns:a16="http://schemas.microsoft.com/office/drawing/2014/main" id="{DA8F62AA-310C-4741-8F20-E1D78D8448D4}"/>
               </a:ext>
             </a:extLst>
           </p:cNvPr>
@@ -4399,7 +4462,7 @@
           <a:blip r:embed="rId2">
             <a:extLst>
               <a:ext uri="{28A0092B-C50C-407E-A947-70E740481C1C}">
-                <a14:useLocalDpi xmlns="" xmlns:a14="http://schemas.microsoft.com/office/drawing/2010/main" val="0"/>
+                <a14:useLocalDpi xmlns:a14="http://schemas.microsoft.com/office/drawing/2010/main" val="0"/>
               </a:ext>
             </a:extLst>
           </a:blip>
@@ -4420,7 +4483,7 @@
     </p:spTree>
     <p:extLst>
       <p:ext uri="{BB962C8B-B14F-4D97-AF65-F5344CB8AC3E}">
-        <p14:creationId xmlns="" xmlns:p14="http://schemas.microsoft.com/office/powerpoint/2010/main" val="2714530657"/>
+        <p14:creationId xmlns:p14="http://schemas.microsoft.com/office/powerpoint/2010/main" val="2714530657"/>
       </p:ext>
     </p:extLst>
   </p:cSld>
@@ -4452,7 +4515,7 @@
           <p:cNvPr id="2" name="Title 1">
             <a:extLst>
               <a:ext uri="{FF2B5EF4-FFF2-40B4-BE49-F238E27FC236}">
-                <a16:creationId xmlns="" xmlns:a16="http://schemas.microsoft.com/office/drawing/2014/main" id="{AAC43106-2F67-4C40-82C1-C0FFEB58EEB8}"/>
+                <a16:creationId xmlns:a16="http://schemas.microsoft.com/office/drawing/2014/main" id="{AAC43106-2F67-4C40-82C1-C0FFEB58EEB8}"/>
               </a:ext>
             </a:extLst>
           </p:cNvPr>
@@ -4476,26 +4539,18 @@
           <a:lstStyle/>
           <a:p>
             <a:r>
-              <a:rPr lang="en-US"/>
-              <a:t>             </a:t>
-            </a:r>
-            <a:r>
-              <a:rPr lang="en-US" smtClean="0"/>
-              <a:t> </a:t>
-            </a:r>
-            <a:r>
               <a:rPr lang="en-US" dirty="0"/>
-              <a:t>use case diagram</a:t>
+              <a:t>                          use case diagram</a:t>
             </a:r>
           </a:p>
         </p:txBody>
       </p:sp>
       <p:pic>
         <p:nvPicPr>
-          <p:cNvPr id="4" name="Picture 3">
+          <p:cNvPr id="7" name="Picture 6">
             <a:extLst>
               <a:ext uri="{FF2B5EF4-FFF2-40B4-BE49-F238E27FC236}">
-                <a16:creationId xmlns="" xmlns:a16="http://schemas.microsoft.com/office/drawing/2014/main" id="{F0FE82F5-26AE-4AB3-926E-93A7D843E0F1}"/>
+                <a16:creationId xmlns:a16="http://schemas.microsoft.com/office/drawing/2014/main" id="{28CA9ABF-4793-44C7-AC5B-D4F700EFFE7E}"/>
               </a:ext>
             </a:extLst>
           </p:cNvPr>
@@ -4508,7 +4563,7 @@
           <a:blip r:embed="rId2">
             <a:extLst>
               <a:ext uri="{28A0092B-C50C-407E-A947-70E740481C1C}">
-                <a14:useLocalDpi xmlns="" xmlns:a14="http://schemas.microsoft.com/office/drawing/2010/main" val="0"/>
+                <a14:useLocalDpi xmlns:a14="http://schemas.microsoft.com/office/drawing/2010/main" val="0"/>
               </a:ext>
             </a:extLst>
           </a:blip>
@@ -4518,8 +4573,8 @@
         </p:blipFill>
         <p:spPr>
           <a:xfrm>
-            <a:off x="1940560" y="609599"/>
-            <a:ext cx="8351520" cy="6248399"/>
+            <a:off x="1570993" y="609600"/>
+            <a:ext cx="9050013" cy="6210773"/>
           </a:xfrm>
           <a:prstGeom prst="rect">
             <a:avLst/>
@@ -4529,7 +4584,543 @@
     </p:spTree>
     <p:extLst>
       <p:ext uri="{BB962C8B-B14F-4D97-AF65-F5344CB8AC3E}">
-        <p14:creationId xmlns="" xmlns:p14="http://schemas.microsoft.com/office/powerpoint/2010/main" val="808294091"/>
+        <p14:creationId xmlns:p14="http://schemas.microsoft.com/office/powerpoint/2010/main" val="808294091"/>
+      </p:ext>
+    </p:extLst>
+  </p:cSld>
+  <p:clrMapOvr>
+    <a:masterClrMapping/>
+  </p:clrMapOvr>
+</p:sld>
+</file>
+
+<file path=ppt/slides/slide6.xml><?xml version="1.0" encoding="utf-8"?>
+<p:sld xmlns:a="http://schemas.openxmlformats.org/drawingml/2006/main" xmlns:r="http://schemas.openxmlformats.org/officeDocument/2006/relationships" xmlns:p="http://schemas.openxmlformats.org/presentationml/2006/main">
+  <p:cSld>
+    <p:spTree>
+      <p:nvGrpSpPr>
+        <p:cNvPr id="1" name=""/>
+        <p:cNvGrpSpPr/>
+        <p:nvPr/>
+      </p:nvGrpSpPr>
+      <p:grpSpPr>
+        <a:xfrm>
+          <a:off x="0" y="0"/>
+          <a:ext cx="0" cy="0"/>
+          <a:chOff x="0" y="0"/>
+          <a:chExt cx="0" cy="0"/>
+        </a:xfrm>
+      </p:grpSpPr>
+      <p:sp>
+        <p:nvSpPr>
+          <p:cNvPr id="2" name="Title 1">
+            <a:extLst>
+              <a:ext uri="{FF2B5EF4-FFF2-40B4-BE49-F238E27FC236}">
+                <a16:creationId xmlns:a16="http://schemas.microsoft.com/office/drawing/2014/main" id="{B4D1FF81-2430-4CA9-B2A1-6907FF33CEA7}"/>
+              </a:ext>
+            </a:extLst>
+          </p:cNvPr>
+          <p:cNvSpPr>
+            <a:spLocks noGrp="1"/>
+          </p:cNvSpPr>
+          <p:nvPr>
+            <p:ph type="title"/>
+          </p:nvPr>
+        </p:nvSpPr>
+        <p:spPr>
+          <a:xfrm>
+            <a:off x="1063752" y="685800"/>
+            <a:ext cx="10058400" cy="929640"/>
+          </a:xfrm>
+        </p:spPr>
+        <p:txBody>
+          <a:bodyPr/>
+          <a:lstStyle/>
+          <a:p>
+            <a:r>
+              <a:rPr lang="en-US" sz="3200" dirty="0"/>
+              <a:t>Advantages</a:t>
+            </a:r>
+            <a:r>
+              <a:rPr lang="en-US" dirty="0"/>
+              <a:t> </a:t>
+            </a:r>
+            <a:r>
+              <a:rPr lang="en-US" sz="3200" dirty="0"/>
+              <a:t>of</a:t>
+            </a:r>
+            <a:r>
+              <a:rPr lang="en-US" dirty="0"/>
+              <a:t> </a:t>
+            </a:r>
+            <a:r>
+              <a:rPr lang="en-US" sz="3200" dirty="0"/>
+              <a:t>e-learning</a:t>
+            </a:r>
+          </a:p>
+        </p:txBody>
+      </p:sp>
+      <p:sp>
+        <p:nvSpPr>
+          <p:cNvPr id="3" name="Content Placeholder 2">
+            <a:extLst>
+              <a:ext uri="{FF2B5EF4-FFF2-40B4-BE49-F238E27FC236}">
+                <a16:creationId xmlns:a16="http://schemas.microsoft.com/office/drawing/2014/main" id="{1DC821EA-86BF-4EA0-B17D-CE31B8885F16}"/>
+              </a:ext>
+            </a:extLst>
+          </p:cNvPr>
+          <p:cNvSpPr>
+            <a:spLocks noGrp="1"/>
+          </p:cNvSpPr>
+          <p:nvPr>
+            <p:ph idx="1"/>
+          </p:nvPr>
+        </p:nvSpPr>
+        <p:spPr>
+          <a:xfrm>
+            <a:off x="1063752" y="1981200"/>
+            <a:ext cx="10064496" cy="4191000"/>
+          </a:xfrm>
+        </p:spPr>
+        <p:txBody>
+          <a:bodyPr/>
+          <a:lstStyle/>
+          <a:p>
+            <a:pPr marL="0" indent="0">
+              <a:buNone/>
+            </a:pPr>
+            <a:endParaRPr lang="en-US" dirty="0"/>
+          </a:p>
+          <a:p>
+            <a:pPr>
+              <a:buFont typeface="Wingdings" panose="05000000000000000000" pitchFamily="2" charset="2"/>
+              <a:buChar char="Ø"/>
+            </a:pPr>
+            <a:r>
+              <a:rPr lang="en-US" dirty="0"/>
+              <a:t> </a:t>
+            </a:r>
+            <a:r>
+              <a:rPr lang="en-US" b="0" i="0" dirty="0">
+                <a:solidFill>
+                  <a:srgbClr val="212121"/>
+                </a:solidFill>
+                <a:effectLst/>
+                <a:latin typeface="Open Sans" panose="020B0604020202020204" pitchFamily="34" charset="0"/>
+              </a:rPr>
+              <a:t>Saves time and money</a:t>
+            </a:r>
+          </a:p>
+          <a:p>
+            <a:pPr>
+              <a:buFont typeface="Wingdings" panose="05000000000000000000" pitchFamily="2" charset="2"/>
+              <a:buChar char="Ø"/>
+            </a:pPr>
+            <a:r>
+              <a:rPr lang="en-US" dirty="0">
+                <a:solidFill>
+                  <a:srgbClr val="212121"/>
+                </a:solidFill>
+                <a:latin typeface="Open Sans" panose="020B0604020202020204" pitchFamily="34" charset="0"/>
+              </a:rPr>
+              <a:t> </a:t>
+            </a:r>
+            <a:r>
+              <a:rPr lang="en-US" b="0" i="0" dirty="0">
+                <a:solidFill>
+                  <a:srgbClr val="212121"/>
+                </a:solidFill>
+                <a:effectLst/>
+                <a:latin typeface="Open Sans" panose="020B0604020202020204" pitchFamily="34" charset="0"/>
+              </a:rPr>
+              <a:t>Better retention</a:t>
+            </a:r>
+            <a:endParaRPr lang="en-US" dirty="0">
+              <a:solidFill>
+                <a:srgbClr val="212121"/>
+              </a:solidFill>
+              <a:latin typeface="Open Sans" panose="020B0604020202020204" pitchFamily="34" charset="0"/>
+            </a:endParaRPr>
+          </a:p>
+          <a:p>
+            <a:pPr>
+              <a:buFont typeface="Wingdings" panose="05000000000000000000" pitchFamily="2" charset="2"/>
+              <a:buChar char="Ø"/>
+            </a:pPr>
+            <a:r>
+              <a:rPr lang="en-US" dirty="0">
+                <a:solidFill>
+                  <a:srgbClr val="212121"/>
+                </a:solidFill>
+                <a:latin typeface="Open Sans" panose="020B0604020202020204" pitchFamily="34" charset="0"/>
+              </a:rPr>
+              <a:t> </a:t>
+            </a:r>
+            <a:r>
+              <a:rPr lang="en-US" b="0" i="0" dirty="0">
+                <a:solidFill>
+                  <a:srgbClr val="212121"/>
+                </a:solidFill>
+                <a:effectLst/>
+                <a:latin typeface="Open Sans" panose="020B0604020202020204" pitchFamily="34" charset="0"/>
+              </a:rPr>
+              <a:t>Personalized learning</a:t>
+            </a:r>
+          </a:p>
+          <a:p>
+            <a:pPr>
+              <a:buFont typeface="Wingdings" panose="05000000000000000000" pitchFamily="2" charset="2"/>
+              <a:buChar char="Ø"/>
+            </a:pPr>
+            <a:r>
+              <a:rPr lang="en-US" dirty="0">
+                <a:solidFill>
+                  <a:srgbClr val="212121"/>
+                </a:solidFill>
+                <a:latin typeface="Open Sans" panose="020B0604020202020204" pitchFamily="34" charset="0"/>
+              </a:rPr>
+              <a:t> </a:t>
+            </a:r>
+            <a:r>
+              <a:rPr lang="en-US" b="0" i="0" dirty="0">
+                <a:solidFill>
+                  <a:srgbClr val="212121"/>
+                </a:solidFill>
+                <a:effectLst/>
+                <a:latin typeface="Open Sans" panose="020B0604020202020204" pitchFamily="34" charset="0"/>
+              </a:rPr>
+              <a:t>Cost-effective</a:t>
+            </a:r>
+            <a:endParaRPr lang="en-US" dirty="0">
+              <a:solidFill>
+                <a:srgbClr val="212121"/>
+              </a:solidFill>
+              <a:latin typeface="Open Sans" panose="020B0604020202020204" pitchFamily="34" charset="0"/>
+            </a:endParaRPr>
+          </a:p>
+          <a:p>
+            <a:pPr>
+              <a:buFont typeface="Wingdings" panose="05000000000000000000" pitchFamily="2" charset="2"/>
+              <a:buChar char="Ø"/>
+            </a:pPr>
+            <a:r>
+              <a:rPr lang="en-US" dirty="0">
+                <a:solidFill>
+                  <a:srgbClr val="212121"/>
+                </a:solidFill>
+                <a:latin typeface="Open Sans" panose="020B0604020202020204" pitchFamily="34" charset="0"/>
+              </a:rPr>
+              <a:t> </a:t>
+            </a:r>
+            <a:r>
+              <a:rPr lang="en-US" b="0" i="0" dirty="0">
+                <a:solidFill>
+                  <a:srgbClr val="212121"/>
+                </a:solidFill>
+                <a:effectLst/>
+                <a:latin typeface="Open Sans" panose="020B0604020202020204" pitchFamily="34" charset="0"/>
+              </a:rPr>
+              <a:t> Environment-friendly</a:t>
+            </a:r>
+            <a:endParaRPr lang="en-US" dirty="0"/>
+          </a:p>
+        </p:txBody>
+      </p:sp>
+    </p:spTree>
+    <p:extLst>
+      <p:ext uri="{BB962C8B-B14F-4D97-AF65-F5344CB8AC3E}">
+        <p14:creationId xmlns:p14="http://schemas.microsoft.com/office/powerpoint/2010/main" val="1962199599"/>
+      </p:ext>
+    </p:extLst>
+  </p:cSld>
+  <p:clrMapOvr>
+    <a:masterClrMapping/>
+  </p:clrMapOvr>
+</p:sld>
+</file>
+
+<file path=ppt/slides/slide7.xml><?xml version="1.0" encoding="utf-8"?>
+<p:sld xmlns:a="http://schemas.openxmlformats.org/drawingml/2006/main" xmlns:r="http://schemas.openxmlformats.org/officeDocument/2006/relationships" xmlns:p="http://schemas.openxmlformats.org/presentationml/2006/main">
+  <p:cSld>
+    <p:spTree>
+      <p:nvGrpSpPr>
+        <p:cNvPr id="1" name=""/>
+        <p:cNvGrpSpPr/>
+        <p:nvPr/>
+      </p:nvGrpSpPr>
+      <p:grpSpPr>
+        <a:xfrm>
+          <a:off x="0" y="0"/>
+          <a:ext cx="0" cy="0"/>
+          <a:chOff x="0" y="0"/>
+          <a:chExt cx="0" cy="0"/>
+        </a:xfrm>
+      </p:grpSpPr>
+      <p:sp>
+        <p:nvSpPr>
+          <p:cNvPr id="2" name="Title 1">
+            <a:extLst>
+              <a:ext uri="{FF2B5EF4-FFF2-40B4-BE49-F238E27FC236}">
+                <a16:creationId xmlns:a16="http://schemas.microsoft.com/office/drawing/2014/main" id="{8FEC9DE6-0089-4C65-B631-04D35E3F6016}"/>
+              </a:ext>
+            </a:extLst>
+          </p:cNvPr>
+          <p:cNvSpPr>
+            <a:spLocks noGrp="1"/>
+          </p:cNvSpPr>
+          <p:nvPr>
+            <p:ph type="title"/>
+          </p:nvPr>
+        </p:nvSpPr>
+        <p:spPr>
+          <a:xfrm>
+            <a:off x="1069848" y="833120"/>
+            <a:ext cx="10058400" cy="883920"/>
+          </a:xfrm>
+        </p:spPr>
+        <p:txBody>
+          <a:bodyPr>
+            <a:normAutofit/>
+          </a:bodyPr>
+          <a:lstStyle/>
+          <a:p>
+            <a:r>
+              <a:rPr lang="en-US" sz="3200" dirty="0"/>
+              <a:t>Disadvantages of E-learning</a:t>
+            </a:r>
+          </a:p>
+        </p:txBody>
+      </p:sp>
+      <p:sp>
+        <p:nvSpPr>
+          <p:cNvPr id="3" name="Content Placeholder 2">
+            <a:extLst>
+              <a:ext uri="{FF2B5EF4-FFF2-40B4-BE49-F238E27FC236}">
+                <a16:creationId xmlns:a16="http://schemas.microsoft.com/office/drawing/2014/main" id="{BE326B89-8B6F-480F-BE96-27C750B2A5DA}"/>
+              </a:ext>
+            </a:extLst>
+          </p:cNvPr>
+          <p:cNvSpPr>
+            <a:spLocks noGrp="1"/>
+          </p:cNvSpPr>
+          <p:nvPr>
+            <p:ph idx="1"/>
+          </p:nvPr>
+        </p:nvSpPr>
+        <p:spPr>
+          <a:xfrm>
+            <a:off x="1069848" y="2143760"/>
+            <a:ext cx="10058400" cy="4028440"/>
+          </a:xfrm>
+        </p:spPr>
+        <p:txBody>
+          <a:bodyPr/>
+          <a:lstStyle/>
+          <a:p>
+            <a:endParaRPr lang="en-US" dirty="0"/>
+          </a:p>
+          <a:p>
+            <a:pPr>
+              <a:buFont typeface="Wingdings" panose="05000000000000000000" pitchFamily="2" charset="2"/>
+              <a:buChar char="Ø"/>
+            </a:pPr>
+            <a:r>
+              <a:rPr lang="en-US" dirty="0"/>
+              <a:t> </a:t>
+            </a:r>
+            <a:r>
+              <a:rPr lang="en-US" b="0" i="0" dirty="0">
+                <a:solidFill>
+                  <a:srgbClr val="212121"/>
+                </a:solidFill>
+                <a:effectLst/>
+                <a:latin typeface="Open Sans" panose="020B0604020202020204" pitchFamily="34" charset="0"/>
+              </a:rPr>
+              <a:t>Lacks social interaction</a:t>
+            </a:r>
+          </a:p>
+          <a:p>
+            <a:pPr>
+              <a:buFont typeface="Wingdings" panose="05000000000000000000" pitchFamily="2" charset="2"/>
+              <a:buChar char="Ø"/>
+            </a:pPr>
+            <a:r>
+              <a:rPr lang="en-US" dirty="0">
+                <a:solidFill>
+                  <a:srgbClr val="212121"/>
+                </a:solidFill>
+                <a:latin typeface="Open Sans" panose="020B0604020202020204" pitchFamily="34" charset="0"/>
+              </a:rPr>
+              <a:t> </a:t>
+            </a:r>
+            <a:r>
+              <a:rPr lang="en-US" b="0" i="0" dirty="0">
+                <a:solidFill>
+                  <a:srgbClr val="212121"/>
+                </a:solidFill>
+                <a:effectLst/>
+                <a:latin typeface="Open Sans" panose="020B0604020202020204" pitchFamily="34" charset="0"/>
+              </a:rPr>
+              <a:t>Inaccessible to others</a:t>
+            </a:r>
+            <a:endParaRPr lang="en-US" dirty="0">
+              <a:solidFill>
+                <a:srgbClr val="212121"/>
+              </a:solidFill>
+              <a:latin typeface="Open Sans" panose="020B0604020202020204" pitchFamily="34" charset="0"/>
+            </a:endParaRPr>
+          </a:p>
+          <a:p>
+            <a:pPr>
+              <a:buFont typeface="Wingdings" panose="05000000000000000000" pitchFamily="2" charset="2"/>
+              <a:buChar char="Ø"/>
+            </a:pPr>
+            <a:r>
+              <a:rPr lang="en-US" dirty="0">
+                <a:solidFill>
+                  <a:srgbClr val="212121"/>
+                </a:solidFill>
+                <a:latin typeface="Open Sans" panose="020B0604020202020204" pitchFamily="34" charset="0"/>
+              </a:rPr>
+              <a:t> </a:t>
+            </a:r>
+            <a:r>
+              <a:rPr lang="en-US" b="0" i="0" dirty="0">
+                <a:solidFill>
+                  <a:srgbClr val="212121"/>
+                </a:solidFill>
+                <a:effectLst/>
+                <a:latin typeface="Open Sans" panose="020B0604020202020204" pitchFamily="34" charset="0"/>
+              </a:rPr>
+              <a:t>Cheating is unavoidable</a:t>
+            </a:r>
+          </a:p>
+          <a:p>
+            <a:pPr>
+              <a:buFont typeface="Wingdings" panose="05000000000000000000" pitchFamily="2" charset="2"/>
+              <a:buChar char="Ø"/>
+            </a:pPr>
+            <a:r>
+              <a:rPr lang="en-US" dirty="0">
+                <a:solidFill>
+                  <a:srgbClr val="212121"/>
+                </a:solidFill>
+                <a:latin typeface="Open Sans" panose="020B0604020202020204" pitchFamily="34" charset="0"/>
+              </a:rPr>
+              <a:t> </a:t>
+            </a:r>
+            <a:r>
+              <a:rPr lang="en-US" b="0" i="0" dirty="0">
+                <a:solidFill>
+                  <a:srgbClr val="212121"/>
+                </a:solidFill>
+                <a:effectLst/>
+                <a:latin typeface="Open Sans" panose="020B0604020202020204" pitchFamily="34" charset="0"/>
+              </a:rPr>
+              <a:t>Requires self-motivation and proper time management skills</a:t>
+            </a:r>
+            <a:endParaRPr lang="en-US" dirty="0">
+              <a:solidFill>
+                <a:srgbClr val="212121"/>
+              </a:solidFill>
+              <a:latin typeface="Open Sans" panose="020B0604020202020204" pitchFamily="34" charset="0"/>
+            </a:endParaRPr>
+          </a:p>
+          <a:p>
+            <a:pPr>
+              <a:buFont typeface="Wingdings" panose="05000000000000000000" pitchFamily="2" charset="2"/>
+              <a:buChar char="Ø"/>
+            </a:pPr>
+            <a:r>
+              <a:rPr lang="en-US" dirty="0">
+                <a:solidFill>
+                  <a:srgbClr val="212121"/>
+                </a:solidFill>
+                <a:latin typeface="Open Sans" panose="020B0604020202020204" pitchFamily="34" charset="0"/>
+              </a:rPr>
+              <a:t> </a:t>
+            </a:r>
+            <a:r>
+              <a:rPr lang="en-US" b="0" i="0" dirty="0">
+                <a:solidFill>
+                  <a:srgbClr val="212121"/>
+                </a:solidFill>
+                <a:effectLst/>
+                <a:latin typeface="Open Sans" panose="020B0604020202020204" pitchFamily="34" charset="0"/>
+              </a:rPr>
+              <a:t>Focuses more on theory </a:t>
+            </a:r>
+            <a:endParaRPr lang="en-US" dirty="0"/>
+          </a:p>
+        </p:txBody>
+      </p:sp>
+    </p:spTree>
+    <p:extLst>
+      <p:ext uri="{BB962C8B-B14F-4D97-AF65-F5344CB8AC3E}">
+        <p14:creationId xmlns:p14="http://schemas.microsoft.com/office/powerpoint/2010/main" val="818260556"/>
+      </p:ext>
+    </p:extLst>
+  </p:cSld>
+  <p:clrMapOvr>
+    <a:masterClrMapping/>
+  </p:clrMapOvr>
+</p:sld>
+</file>
+
+<file path=ppt/slides/slide8.xml><?xml version="1.0" encoding="utf-8"?>
+<p:sld xmlns:a="http://schemas.openxmlformats.org/drawingml/2006/main" xmlns:r="http://schemas.openxmlformats.org/officeDocument/2006/relationships" xmlns:p="http://schemas.openxmlformats.org/presentationml/2006/main">
+  <p:cSld>
+    <p:spTree>
+      <p:nvGrpSpPr>
+        <p:cNvPr id="1" name=""/>
+        <p:cNvGrpSpPr/>
+        <p:nvPr/>
+      </p:nvGrpSpPr>
+      <p:grpSpPr>
+        <a:xfrm>
+          <a:off x="0" y="0"/>
+          <a:ext cx="0" cy="0"/>
+          <a:chOff x="0" y="0"/>
+          <a:chExt cx="0" cy="0"/>
+        </a:xfrm>
+      </p:grpSpPr>
+      <p:sp>
+        <p:nvSpPr>
+          <p:cNvPr id="2" name="Title 1">
+            <a:extLst>
+              <a:ext uri="{FF2B5EF4-FFF2-40B4-BE49-F238E27FC236}">
+                <a16:creationId xmlns:a16="http://schemas.microsoft.com/office/drawing/2014/main" id="{1D1F6993-4179-4CD0-B60D-F778BBCDE03A}"/>
+              </a:ext>
+            </a:extLst>
+          </p:cNvPr>
+          <p:cNvSpPr>
+            <a:spLocks noGrp="1"/>
+          </p:cNvSpPr>
+          <p:nvPr>
+            <p:ph type="title"/>
+          </p:nvPr>
+        </p:nvSpPr>
+        <p:spPr>
+          <a:xfrm>
+            <a:off x="1069848" y="2631440"/>
+            <a:ext cx="10058400" cy="1524000"/>
+          </a:xfrm>
+        </p:spPr>
+        <p:txBody>
+          <a:bodyPr/>
+          <a:lstStyle/>
+          <a:p>
+            <a:r>
+              <a:rPr lang="en-US" dirty="0"/>
+              <a:t>               THANK YOU</a:t>
+            </a:r>
+          </a:p>
+        </p:txBody>
+      </p:sp>
+    </p:spTree>
+    <p:extLst>
+      <p:ext uri="{BB962C8B-B14F-4D97-AF65-F5344CB8AC3E}">
+        <p14:creationId xmlns:p14="http://schemas.microsoft.com/office/powerpoint/2010/main" val="1490094477"/>
       </p:ext>
     </p:extLst>
   </p:cSld>
@@ -4582,7 +5173,7 @@
     </a:clrScheme>
     <a:fontScheme name="Wood Type">
       <a:majorFont>
-        <a:latin typeface="Rockwell Condensed"/>
+        <a:latin typeface="Rockwell Condensed" panose="02060603050405020104"/>
         <a:ea typeface=""/>
         <a:cs typeface=""/>
         <a:font script="Grek" typeface="Cambria"/>
@@ -4618,7 +5209,7 @@
         <a:font script="Uigh" typeface="Microsoft Uighur"/>
       </a:majorFont>
       <a:minorFont>
-        <a:latin typeface="Rockwell"/>
+        <a:latin typeface="Rockwell" panose="02060603020205020403"/>
         <a:ea typeface=""/>
         <a:cs typeface=""/>
         <a:font script="Grek" typeface="Cambria"/>
@@ -4762,7 +5353,7 @@
   <a:extraClrSchemeLst/>
   <a:extLst>
     <a:ext uri="{05A4C25C-085E-4340-85A3-A5531E510DB2}">
-      <thm15:themeFamily xmlns="" xmlns:thm15="http://schemas.microsoft.com/office/thememl/2012/main" name="Wood Type" id="{7ACABC62-BF99-48CF-A9DC-4DB89C7B13DC}" vid="{142A1326-48AB-42A9-8428-CB14AA30176D}"/>
+      <thm15:themeFamily xmlns:thm15="http://schemas.microsoft.com/office/thememl/2012/main" name="Wood Type" id="{7ACABC62-BF99-48CF-A9DC-4DB89C7B13DC}" vid="{142A1326-48AB-42A9-8428-CB14AA30176D}"/>
     </a:ext>
   </a:extLst>
 </a:theme>
